--- a/ppt document/Probablity Distribution.pptx
+++ b/ppt document/Probablity Distribution.pptx
@@ -272,7 +272,7 @@
           <a:p>
             <a:fld id="{35E5C153-9714-4685-9C55-6EF79216DF40}" type="datetimeFigureOut">
               <a:rPr lang="en-IN" smtClean="0"/>
-              <a:t>18-07-2018</a:t>
+              <a:t>04-07-2018</a:t>
             </a:fld>
             <a:endParaRPr lang="en-IN"/>
           </a:p>
@@ -472,7 +472,7 @@
           <a:p>
             <a:fld id="{35E5C153-9714-4685-9C55-6EF79216DF40}" type="datetimeFigureOut">
               <a:rPr lang="en-IN" smtClean="0"/>
-              <a:t>18-07-2018</a:t>
+              <a:t>04-07-2018</a:t>
             </a:fld>
             <a:endParaRPr lang="en-IN"/>
           </a:p>
@@ -682,7 +682,7 @@
           <a:p>
             <a:fld id="{35E5C153-9714-4685-9C55-6EF79216DF40}" type="datetimeFigureOut">
               <a:rPr lang="en-IN" smtClean="0"/>
-              <a:t>18-07-2018</a:t>
+              <a:t>04-07-2018</a:t>
             </a:fld>
             <a:endParaRPr lang="en-IN"/>
           </a:p>
@@ -1447,7 +1447,7 @@
           <a:p>
             <a:fld id="{35E5C153-9714-4685-9C55-6EF79216DF40}" type="datetimeFigureOut">
               <a:rPr lang="en-IN" smtClean="0"/>
-              <a:t>18-07-2018</a:t>
+              <a:t>04-07-2018</a:t>
             </a:fld>
             <a:endParaRPr lang="en-IN"/>
           </a:p>
@@ -1723,7 +1723,7 @@
           <a:p>
             <a:fld id="{35E5C153-9714-4685-9C55-6EF79216DF40}" type="datetimeFigureOut">
               <a:rPr lang="en-IN" smtClean="0"/>
-              <a:t>18-07-2018</a:t>
+              <a:t>04-07-2018</a:t>
             </a:fld>
             <a:endParaRPr lang="en-IN"/>
           </a:p>
@@ -1991,7 +1991,7 @@
           <a:p>
             <a:fld id="{35E5C153-9714-4685-9C55-6EF79216DF40}" type="datetimeFigureOut">
               <a:rPr lang="en-IN" smtClean="0"/>
-              <a:t>18-07-2018</a:t>
+              <a:t>04-07-2018</a:t>
             </a:fld>
             <a:endParaRPr lang="en-IN"/>
           </a:p>
@@ -2406,7 +2406,7 @@
           <a:p>
             <a:fld id="{35E5C153-9714-4685-9C55-6EF79216DF40}" type="datetimeFigureOut">
               <a:rPr lang="en-IN" smtClean="0"/>
-              <a:t>18-07-2018</a:t>
+              <a:t>04-07-2018</a:t>
             </a:fld>
             <a:endParaRPr lang="en-IN"/>
           </a:p>
@@ -2548,7 +2548,7 @@
           <a:p>
             <a:fld id="{35E5C153-9714-4685-9C55-6EF79216DF40}" type="datetimeFigureOut">
               <a:rPr lang="en-IN" smtClean="0"/>
-              <a:t>18-07-2018</a:t>
+              <a:t>04-07-2018</a:t>
             </a:fld>
             <a:endParaRPr lang="en-IN"/>
           </a:p>
@@ -2661,7 +2661,7 @@
           <a:p>
             <a:fld id="{35E5C153-9714-4685-9C55-6EF79216DF40}" type="datetimeFigureOut">
               <a:rPr lang="en-IN" smtClean="0"/>
-              <a:t>18-07-2018</a:t>
+              <a:t>04-07-2018</a:t>
             </a:fld>
             <a:endParaRPr lang="en-IN"/>
           </a:p>
@@ -2974,7 +2974,7 @@
           <a:p>
             <a:fld id="{35E5C153-9714-4685-9C55-6EF79216DF40}" type="datetimeFigureOut">
               <a:rPr lang="en-IN" smtClean="0"/>
-              <a:t>18-07-2018</a:t>
+              <a:t>04-07-2018</a:t>
             </a:fld>
             <a:endParaRPr lang="en-IN"/>
           </a:p>
@@ -3263,7 +3263,7 @@
           <a:p>
             <a:fld id="{35E5C153-9714-4685-9C55-6EF79216DF40}" type="datetimeFigureOut">
               <a:rPr lang="en-IN" smtClean="0"/>
-              <a:t>18-07-2018</a:t>
+              <a:t>04-07-2018</a:t>
             </a:fld>
             <a:endParaRPr lang="en-IN"/>
           </a:p>
@@ -3506,7 +3506,7 @@
           <a:p>
             <a:fld id="{35E5C153-9714-4685-9C55-6EF79216DF40}" type="datetimeFigureOut">
               <a:rPr lang="en-IN" smtClean="0"/>
-              <a:t>18-07-2018</a:t>
+              <a:t>04-07-2018</a:t>
             </a:fld>
             <a:endParaRPr lang="en-IN"/>
           </a:p>
@@ -4428,53 +4428,6 @@
           </a:prstGeom>
         </p:spPr>
       </p:pic>
-      <p:pic>
-        <p:nvPicPr>
-          <p:cNvPr id="2050" name="Picture 2" descr="Image result for negative binomial distribution">
-            <a:extLst>
-              <a:ext uri="{FF2B5EF4-FFF2-40B4-BE49-F238E27FC236}">
-                <a16:creationId xmlns:a16="http://schemas.microsoft.com/office/drawing/2014/main" id="{33EB423C-1F83-4DAD-AD5C-2BC638CE6A78}"/>
-              </a:ext>
-            </a:extLst>
-          </p:cNvPr>
-          <p:cNvPicPr>
-            <a:picLocks noChangeAspect="1" noChangeArrowheads="1"/>
-          </p:cNvPicPr>
-          <p:nvPr/>
-        </p:nvPicPr>
-        <p:blipFill>
-          <a:blip r:embed="rId3">
-            <a:extLst>
-              <a:ext uri="{28A0092B-C50C-407E-A947-70E740481C1C}">
-                <a14:useLocalDpi xmlns:a14="http://schemas.microsoft.com/office/drawing/2010/main" val="0"/>
-              </a:ext>
-            </a:extLst>
-          </a:blip>
-          <a:srcRect/>
-          <a:stretch>
-            <a:fillRect/>
-          </a:stretch>
-        </p:blipFill>
-        <p:spPr bwMode="auto">
-          <a:xfrm>
-            <a:off x="657486" y="3724993"/>
-            <a:ext cx="4891544" cy="1714918"/>
-          </a:xfrm>
-          <a:prstGeom prst="rect">
-            <a:avLst/>
-          </a:prstGeom>
-          <a:noFill/>
-          <a:extLst>
-            <a:ext uri="{909E8E84-426E-40DD-AFC4-6F175D3DCCD1}">
-              <a14:hiddenFill xmlns:a14="http://schemas.microsoft.com/office/drawing/2010/main">
-                <a:solidFill>
-                  <a:srgbClr val="FFFFFF"/>
-                </a:solidFill>
-              </a14:hiddenFill>
-            </a:ext>
-          </a:extLst>
-        </p:spPr>
-      </p:pic>
     </p:spTree>
     <p:extLst>
       <p:ext uri="{BB962C8B-B14F-4D97-AF65-F5344CB8AC3E}">
@@ -4640,53 +4593,6 @@
           <a:prstGeom prst="rect">
             <a:avLst/>
           </a:prstGeom>
-        </p:spPr>
-      </p:pic>
-      <p:pic>
-        <p:nvPicPr>
-          <p:cNvPr id="1026" name="Picture 2" descr="Image result for geometric distribution">
-            <a:extLst>
-              <a:ext uri="{FF2B5EF4-FFF2-40B4-BE49-F238E27FC236}">
-                <a16:creationId xmlns:a16="http://schemas.microsoft.com/office/drawing/2014/main" id="{C08BE9EE-3817-423A-A552-AE92A5134879}"/>
-              </a:ext>
-            </a:extLst>
-          </p:cNvPr>
-          <p:cNvPicPr>
-            <a:picLocks noChangeAspect="1" noChangeArrowheads="1"/>
-          </p:cNvPicPr>
-          <p:nvPr/>
-        </p:nvPicPr>
-        <p:blipFill>
-          <a:blip r:embed="rId3">
-            <a:extLst>
-              <a:ext uri="{28A0092B-C50C-407E-A947-70E740481C1C}">
-                <a14:useLocalDpi xmlns:a14="http://schemas.microsoft.com/office/drawing/2010/main" val="0"/>
-              </a:ext>
-            </a:extLst>
-          </a:blip>
-          <a:srcRect/>
-          <a:stretch>
-            <a:fillRect/>
-          </a:stretch>
-        </p:blipFill>
-        <p:spPr bwMode="auto">
-          <a:xfrm>
-            <a:off x="833895" y="3668108"/>
-            <a:ext cx="4286250" cy="1828800"/>
-          </a:xfrm>
-          <a:prstGeom prst="rect">
-            <a:avLst/>
-          </a:prstGeom>
-          <a:noFill/>
-          <a:extLst>
-            <a:ext uri="{909E8E84-426E-40DD-AFC4-6F175D3DCCD1}">
-              <a14:hiddenFill xmlns:a14="http://schemas.microsoft.com/office/drawing/2010/main">
-                <a:solidFill>
-                  <a:srgbClr val="FFFFFF"/>
-                </a:solidFill>
-              </a14:hiddenFill>
-            </a:ext>
-          </a:extLst>
         </p:spPr>
       </p:pic>
     </p:spTree>
